--- a/dunia ilkom/5 Jenis-jenis Operator Aritmatika Bahasa C++.pptx
+++ b/dunia ilkom/5 Jenis-jenis Operator Aritmatika Bahasa C++.pptx
@@ -7,10 +7,13 @@
   <p:sldIdLst>
     <p:sldId id="256" r:id="rId2"/>
     <p:sldId id="257" r:id="rId3"/>
-    <p:sldId id="258" r:id="rId4"/>
-    <p:sldId id="259" r:id="rId5"/>
-    <p:sldId id="260" r:id="rId6"/>
-    <p:sldId id="261" r:id="rId7"/>
+    <p:sldId id="262" r:id="rId4"/>
+    <p:sldId id="258" r:id="rId5"/>
+    <p:sldId id="263" r:id="rId6"/>
+    <p:sldId id="264" r:id="rId7"/>
+    <p:sldId id="259" r:id="rId8"/>
+    <p:sldId id="260" r:id="rId9"/>
+    <p:sldId id="261" r:id="rId10"/>
   </p:sldIdLst>
   <p:sldSz cx="12192000" cy="6858000"/>
   <p:notesSz cx="6858000" cy="9144000"/>
@@ -272,7 +275,7 @@
           <a:p>
             <a:fld id="{CA430C0A-5464-4FE4-84EB-FF9C94016DF4}" type="datetimeFigureOut">
               <a:rPr lang="en-US" dirty="0"/>
-              <a:t>5/20/2021</a:t>
+              <a:t>1/19/2022</a:t>
             </a:fld>
             <a:endParaRPr lang="en-US" dirty="0"/>
           </a:p>
@@ -438,7 +441,7 @@
           <a:p>
             <a:fld id="{E9F9C37B-1D36-470B-8223-D6C91242EC14}" type="datetimeFigureOut">
               <a:rPr lang="en-US" dirty="0"/>
-              <a:t>5/20/2021</a:t>
+              <a:t>1/19/2022</a:t>
             </a:fld>
             <a:endParaRPr lang="en-US" dirty="0"/>
           </a:p>
@@ -613,7 +616,7 @@
           <a:p>
             <a:fld id="{67C6F52A-A82B-47A2-A83A-8C4C91F2D59F}" type="datetimeFigureOut">
               <a:rPr lang="en-US" dirty="0"/>
-              <a:t>5/20/2021</a:t>
+              <a:t>1/19/2022</a:t>
             </a:fld>
             <a:endParaRPr lang="en-US" dirty="0"/>
           </a:p>
@@ -778,7 +781,7 @@
           <a:p>
             <a:fld id="{F070A7B3-6521-4DCA-87E5-044747A908C1}" type="datetimeFigureOut">
               <a:rPr lang="en-US" dirty="0"/>
-              <a:t>5/20/2021</a:t>
+              <a:t>1/19/2022</a:t>
             </a:fld>
             <a:endParaRPr lang="en-US" dirty="0"/>
           </a:p>
@@ -1034,7 +1037,7 @@
           <a:p>
             <a:fld id="{360C6404-AD6E-4860-8E75-697CA40B95DA}" type="datetimeFigureOut">
               <a:rPr lang="en-US" dirty="0"/>
-              <a:t>5/20/2021</a:t>
+              <a:t>1/19/2022</a:t>
             </a:fld>
             <a:endParaRPr lang="en-US" dirty="0"/>
           </a:p>
@@ -1262,7 +1265,7 @@
           <a:p>
             <a:fld id="{AB134690-1557-4C89-A502-4959FE7FAD70}" type="datetimeFigureOut">
               <a:rPr lang="en-US" dirty="0"/>
-              <a:t>5/20/2021</a:t>
+              <a:t>1/19/2022</a:t>
             </a:fld>
             <a:endParaRPr lang="en-US" dirty="0"/>
           </a:p>
@@ -1612,7 +1615,7 @@
           <a:p>
             <a:fld id="{4F7D4976-E339-4826-83B7-FBD03F55ECF8}" type="datetimeFigureOut">
               <a:rPr lang="en-US" dirty="0"/>
-              <a:t>5/20/2021</a:t>
+              <a:t>1/19/2022</a:t>
             </a:fld>
             <a:endParaRPr lang="en-US" dirty="0"/>
           </a:p>
@@ -1748,7 +1751,7 @@
           <a:p>
             <a:fld id="{E1037C31-9E7A-4F99-8774-A0E530DE1A42}" type="datetimeFigureOut">
               <a:rPr lang="en-US" dirty="0"/>
-              <a:t>5/20/2021</a:t>
+              <a:t>1/19/2022</a:t>
             </a:fld>
             <a:endParaRPr lang="en-US" dirty="0"/>
           </a:p>
@@ -1838,7 +1841,7 @@
           <a:p>
             <a:fld id="{C278504F-A551-4DE0-9316-4DCD1D8CC752}" type="datetimeFigureOut">
               <a:rPr lang="en-US" dirty="0"/>
-              <a:t>5/20/2021</a:t>
+              <a:t>1/19/2022</a:t>
             </a:fld>
             <a:endParaRPr lang="en-US" dirty="0"/>
           </a:p>
@@ -2190,7 +2193,7 @@
           <a:p>
             <a:fld id="{D1BE4249-C0D0-4B06-8692-E8BB871AF643}" type="datetimeFigureOut">
               <a:rPr lang="en-US" dirty="0"/>
-              <a:t>5/20/2021</a:t>
+              <a:t>1/19/2022</a:t>
             </a:fld>
             <a:endParaRPr lang="en-US" dirty="0"/>
           </a:p>
@@ -2503,7 +2506,7 @@
           <a:p>
             <a:fld id="{042B0DB6-F5C7-45FB-8CF3-31B45F9C2DAC}" type="datetimeFigureOut">
               <a:rPr lang="en-US" dirty="0"/>
-              <a:t>5/20/2021</a:t>
+              <a:t>1/19/2022</a:t>
             </a:fld>
             <a:endParaRPr lang="en-US" dirty="0"/>
           </a:p>
@@ -2743,7 +2746,7 @@
           <a:p>
             <a:fld id="{1160EA64-D806-43AC-9DF2-F8C432F32B4C}" type="datetimeFigureOut">
               <a:rPr lang="en-US" dirty="0"/>
-              <a:t>5/20/2021</a:t>
+              <a:t>1/19/2022</a:t>
             </a:fld>
             <a:endParaRPr lang="en-US" dirty="0"/>
           </a:p>
@@ -3522,6 +3525,513 @@
       </p:grpSpPr>
       <p:sp>
         <p:nvSpPr>
+          <p:cNvPr id="2" name="Title 1">
+            <a:extLst>
+              <a:ext uri="{FF2B5EF4-FFF2-40B4-BE49-F238E27FC236}">
+                <a16:creationId xmlns:a16="http://schemas.microsoft.com/office/drawing/2014/main" id="{BA3CD428-8E1A-4824-A67A-2210342866BA}"/>
+              </a:ext>
+            </a:extLst>
+          </p:cNvPr>
+          <p:cNvSpPr>
+            <a:spLocks noGrp="1"/>
+          </p:cNvSpPr>
+          <p:nvPr>
+            <p:ph type="title"/>
+          </p:nvPr>
+        </p:nvSpPr>
+        <p:spPr/>
+        <p:txBody>
+          <a:bodyPr>
+            <a:normAutofit fontScale="90000"/>
+          </a:bodyPr>
+          <a:lstStyle/>
+          <a:p>
+            <a:pPr fontAlgn="base"/>
+            <a:br>
+              <a:rPr lang="en-US" b="0" i="0" dirty="0">
+                <a:solidFill>
+                  <a:srgbClr val="2B2C33"/>
+                </a:solidFill>
+                <a:effectLst/>
+                <a:latin typeface="Raleway"/>
+              </a:rPr>
+            </a:br>
+            <a:br>
+              <a:rPr lang="en-US" b="0" i="0" dirty="0">
+                <a:solidFill>
+                  <a:srgbClr val="2B2C33"/>
+                </a:solidFill>
+                <a:effectLst/>
+                <a:latin typeface="Raleway"/>
+              </a:rPr>
+            </a:br>
+            <a:r>
+              <a:rPr lang="en-US" b="0" i="0" dirty="0" err="1">
+                <a:solidFill>
+                  <a:srgbClr val="2B2C33"/>
+                </a:solidFill>
+                <a:effectLst/>
+                <a:latin typeface="Raleway"/>
+              </a:rPr>
+              <a:t>Pengertian</a:t>
+            </a:r>
+            <a:r>
+              <a:rPr lang="en-US" b="0" i="0" dirty="0">
+                <a:solidFill>
+                  <a:srgbClr val="2B2C33"/>
+                </a:solidFill>
+                <a:effectLst/>
+                <a:latin typeface="Raleway"/>
+              </a:rPr>
+              <a:t> dan </a:t>
+            </a:r>
+            <a:r>
+              <a:rPr lang="en-US" b="0" i="0" dirty="0" err="1">
+                <a:solidFill>
+                  <a:srgbClr val="2B2C33"/>
+                </a:solidFill>
+                <a:effectLst/>
+                <a:latin typeface="Raleway"/>
+              </a:rPr>
+              <a:t>Jenis</a:t>
+            </a:r>
+            <a:r>
+              <a:rPr lang="en-US" b="0" i="0" dirty="0">
+                <a:solidFill>
+                  <a:srgbClr val="2B2C33"/>
+                </a:solidFill>
+                <a:effectLst/>
+                <a:latin typeface="Raleway"/>
+              </a:rPr>
+              <a:t> Operator </a:t>
+            </a:r>
+            <a:r>
+              <a:rPr lang="en-US" b="0" i="0" dirty="0" err="1">
+                <a:solidFill>
+                  <a:srgbClr val="2B2C33"/>
+                </a:solidFill>
+                <a:effectLst/>
+                <a:latin typeface="Raleway"/>
+              </a:rPr>
+              <a:t>Aritmatika</a:t>
+            </a:r>
+            <a:r>
+              <a:rPr lang="en-US" b="0" i="0" dirty="0">
+                <a:solidFill>
+                  <a:srgbClr val="2B2C33"/>
+                </a:solidFill>
+                <a:effectLst/>
+                <a:latin typeface="Raleway"/>
+              </a:rPr>
+              <a:t> Bahasa C++</a:t>
+            </a:r>
+            <a:br>
+              <a:rPr lang="en-US" b="0" i="0" dirty="0">
+                <a:solidFill>
+                  <a:srgbClr val="2B2C33"/>
+                </a:solidFill>
+                <a:effectLst/>
+                <a:latin typeface="Raleway"/>
+              </a:rPr>
+            </a:br>
+            <a:br>
+              <a:rPr lang="en-US" dirty="0"/>
+            </a:br>
+            <a:br>
+              <a:rPr lang="en-US" dirty="0"/>
+            </a:br>
+            <a:r>
+              <a:rPr lang="en-US" dirty="0" err="1"/>
+              <a:t>Misalkan</a:t>
+            </a:r>
+            <a:r>
+              <a:rPr lang="en-US" dirty="0"/>
+              <a:t> variable a = 10 dan b = 20 </a:t>
+            </a:r>
+            <a:r>
+              <a:rPr lang="en-US" dirty="0" err="1"/>
+              <a:t>maka</a:t>
+            </a:r>
+            <a:r>
+              <a:rPr lang="en-US" dirty="0"/>
+              <a:t> :</a:t>
+            </a:r>
+          </a:p>
+        </p:txBody>
+      </p:sp>
+      <p:graphicFrame>
+        <p:nvGraphicFramePr>
+          <p:cNvPr id="4" name="Table 5">
+            <a:extLst>
+              <a:ext uri="{FF2B5EF4-FFF2-40B4-BE49-F238E27FC236}">
+                <a16:creationId xmlns:a16="http://schemas.microsoft.com/office/drawing/2014/main" id="{91D0F730-DE6C-46DD-B8DC-6FCCC2AA3CE6}"/>
+              </a:ext>
+            </a:extLst>
+          </p:cNvPr>
+          <p:cNvGraphicFramePr>
+            <a:graphicFrameLocks noGrp="1"/>
+          </p:cNvGraphicFramePr>
+          <p:nvPr>
+            <p:ph idx="1"/>
+            <p:extLst>
+              <p:ext uri="{D42A27DB-BD31-4B8C-83A1-F6EECF244321}">
+                <p14:modId xmlns:p14="http://schemas.microsoft.com/office/powerpoint/2010/main" val="2154875486"/>
+              </p:ext>
+            </p:extLst>
+          </p:nvPr>
+        </p:nvGraphicFramePr>
+        <p:xfrm>
+          <a:off x="2230438" y="3083560"/>
+          <a:ext cx="7731123" cy="2839720"/>
+        </p:xfrm>
+        <a:graphic>
+          <a:graphicData uri="http://schemas.openxmlformats.org/drawingml/2006/table">
+            <a:tbl>
+              <a:tblPr firstRow="1" bandRow="1">
+                <a:tableStyleId>{5C22544A-7EE6-4342-B048-85BDC9FD1C3A}</a:tableStyleId>
+              </a:tblPr>
+              <a:tblGrid>
+                <a:gridCol w="2577041">
+                  <a:extLst>
+                    <a:ext uri="{9D8B030D-6E8A-4147-A177-3AD203B41FA5}">
+                      <a16:colId xmlns:a16="http://schemas.microsoft.com/office/drawing/2014/main" val="3495024309"/>
+                    </a:ext>
+                  </a:extLst>
+                </a:gridCol>
+                <a:gridCol w="2577041">
+                  <a:extLst>
+                    <a:ext uri="{9D8B030D-6E8A-4147-A177-3AD203B41FA5}">
+                      <a16:colId xmlns:a16="http://schemas.microsoft.com/office/drawing/2014/main" val="1806186155"/>
+                    </a:ext>
+                  </a:extLst>
+                </a:gridCol>
+                <a:gridCol w="2577041">
+                  <a:extLst>
+                    <a:ext uri="{9D8B030D-6E8A-4147-A177-3AD203B41FA5}">
+                      <a16:colId xmlns:a16="http://schemas.microsoft.com/office/drawing/2014/main" val="3847870012"/>
+                    </a:ext>
+                  </a:extLst>
+                </a:gridCol>
+              </a:tblGrid>
+              <a:tr h="0">
+                <a:tc>
+                  <a:txBody>
+                    <a:bodyPr/>
+                    <a:lstStyle/>
+                    <a:p>
+                      <a:r>
+                        <a:rPr lang="en-US" dirty="0"/>
+                        <a:t>Operator</a:t>
+                      </a:r>
+                    </a:p>
+                  </a:txBody>
+                  <a:tcPr/>
+                </a:tc>
+                <a:tc>
+                  <a:txBody>
+                    <a:bodyPr/>
+                    <a:lstStyle/>
+                    <a:p>
+                      <a:r>
+                        <a:rPr lang="en-US" dirty="0" err="1"/>
+                        <a:t>Penjelasan</a:t>
+                      </a:r>
+                      <a:endParaRPr lang="en-US" dirty="0"/>
+                    </a:p>
+                  </a:txBody>
+                  <a:tcPr/>
+                </a:tc>
+                <a:tc>
+                  <a:txBody>
+                    <a:bodyPr/>
+                    <a:lstStyle/>
+                    <a:p>
+                      <a:r>
+                        <a:rPr lang="en-US" dirty="0" err="1"/>
+                        <a:t>Contoh</a:t>
+                      </a:r>
+                      <a:endParaRPr lang="en-US" dirty="0"/>
+                    </a:p>
+                  </a:txBody>
+                  <a:tcPr/>
+                </a:tc>
+                <a:extLst>
+                  <a:ext uri="{0D108BD9-81ED-4DB2-BD59-A6C34878D82A}">
+                    <a16:rowId xmlns:a16="http://schemas.microsoft.com/office/drawing/2014/main" val="4026086837"/>
+                  </a:ext>
+                </a:extLst>
+              </a:tr>
+              <a:tr h="370840">
+                <a:tc>
+                  <a:txBody>
+                    <a:bodyPr/>
+                    <a:lstStyle/>
+                    <a:p>
+                      <a:r>
+                        <a:rPr lang="en-US" dirty="0"/>
+                        <a:t>%</a:t>
+                      </a:r>
+                    </a:p>
+                  </a:txBody>
+                  <a:tcPr/>
+                </a:tc>
+                <a:tc>
+                  <a:txBody>
+                    <a:bodyPr/>
+                    <a:lstStyle/>
+                    <a:p>
+                      <a:r>
+                        <a:rPr lang="en-US" dirty="0" err="1"/>
+                        <a:t>Operasi</a:t>
+                      </a:r>
+                      <a:r>
+                        <a:rPr lang="en-US" dirty="0"/>
+                        <a:t> Modulus.</a:t>
+                      </a:r>
+                    </a:p>
+                  </a:txBody>
+                  <a:tcPr/>
+                </a:tc>
+                <a:tc>
+                  <a:txBody>
+                    <a:bodyPr/>
+                    <a:lstStyle/>
+                    <a:p>
+                      <a:r>
+                        <a:rPr lang="en-US" dirty="0"/>
+                        <a:t>B % A = 0</a:t>
+                      </a:r>
+                    </a:p>
+                  </a:txBody>
+                  <a:tcPr/>
+                </a:tc>
+                <a:extLst>
+                  <a:ext uri="{0D108BD9-81ED-4DB2-BD59-A6C34878D82A}">
+                    <a16:rowId xmlns:a16="http://schemas.microsoft.com/office/drawing/2014/main" val="4004328638"/>
+                  </a:ext>
+                </a:extLst>
+              </a:tr>
+              <a:tr h="370840">
+                <a:tc>
+                  <a:txBody>
+                    <a:bodyPr/>
+                    <a:lstStyle/>
+                    <a:p>
+                      <a:r>
+                        <a:rPr lang="en-US" dirty="0"/>
+                        <a:t>++</a:t>
+                      </a:r>
+                    </a:p>
+                  </a:txBody>
+                  <a:tcPr/>
+                </a:tc>
+                <a:tc>
+                  <a:txBody>
+                    <a:bodyPr/>
+                    <a:lstStyle/>
+                    <a:p>
+                      <a:r>
+                        <a:rPr lang="en-US" dirty="0"/>
+                        <a:t>Operator </a:t>
+                      </a:r>
+                      <a:r>
+                        <a:rPr lang="en-US" dirty="0" err="1"/>
+                        <a:t>Penambahan</a:t>
+                      </a:r>
+                      <a:r>
+                        <a:rPr lang="en-US" dirty="0"/>
+                        <a:t>, </a:t>
+                      </a:r>
+                      <a:r>
+                        <a:rPr lang="en-US" dirty="0" err="1"/>
+                        <a:t>menambahkan</a:t>
+                      </a:r>
+                      <a:r>
+                        <a:rPr lang="en-US" dirty="0"/>
+                        <a:t> </a:t>
+                      </a:r>
+                      <a:r>
+                        <a:rPr lang="en-US" dirty="0" err="1"/>
+                        <a:t>suatu</a:t>
+                      </a:r>
+                      <a:r>
+                        <a:rPr lang="en-US" dirty="0"/>
+                        <a:t> integer </a:t>
+                      </a:r>
+                      <a:r>
+                        <a:rPr lang="en-US" dirty="0" err="1"/>
+                        <a:t>dengan</a:t>
+                      </a:r>
+                      <a:r>
+                        <a:rPr lang="en-US" dirty="0"/>
+                        <a:t> </a:t>
+                      </a:r>
+                      <a:r>
+                        <a:rPr lang="en-US" dirty="0" err="1"/>
+                        <a:t>angka</a:t>
+                      </a:r>
+                      <a:r>
+                        <a:rPr lang="en-US" dirty="0"/>
+                        <a:t> </a:t>
+                      </a:r>
+                      <a:r>
+                        <a:rPr lang="en-US" dirty="0" err="1"/>
+                        <a:t>satu</a:t>
+                      </a:r>
+                      <a:r>
+                        <a:rPr lang="en-US" dirty="0"/>
+                        <a:t>.</a:t>
+                      </a:r>
+                    </a:p>
+                  </a:txBody>
+                  <a:tcPr/>
+                </a:tc>
+                <a:tc>
+                  <a:txBody>
+                    <a:bodyPr/>
+                    <a:lstStyle/>
+                    <a:p>
+                      <a:r>
+                        <a:rPr lang="en-US" dirty="0"/>
+                        <a:t>A++ = 11</a:t>
+                      </a:r>
+                    </a:p>
+                  </a:txBody>
+                  <a:tcPr/>
+                </a:tc>
+                <a:extLst>
+                  <a:ext uri="{0D108BD9-81ED-4DB2-BD59-A6C34878D82A}">
+                    <a16:rowId xmlns:a16="http://schemas.microsoft.com/office/drawing/2014/main" val="4114966927"/>
+                  </a:ext>
+                </a:extLst>
+              </a:tr>
+              <a:tr h="370840">
+                <a:tc>
+                  <a:txBody>
+                    <a:bodyPr/>
+                    <a:lstStyle/>
+                    <a:p>
+                      <a:r>
+                        <a:rPr lang="en-US" dirty="0"/>
+                        <a:t>--</a:t>
+                      </a:r>
+                    </a:p>
+                  </a:txBody>
+                  <a:tcPr/>
+                </a:tc>
+                <a:tc>
+                  <a:txBody>
+                    <a:bodyPr/>
+                    <a:lstStyle/>
+                    <a:p>
+                      <a:r>
+                        <a:rPr lang="en-US" dirty="0"/>
+                        <a:t>Operator </a:t>
+                      </a:r>
+                      <a:r>
+                        <a:rPr lang="en-US" dirty="0" err="1"/>
+                        <a:t>Pengurangan</a:t>
+                      </a:r>
+                      <a:r>
+                        <a:rPr lang="en-US" dirty="0"/>
+                        <a:t>, </a:t>
+                      </a:r>
+                      <a:r>
+                        <a:rPr lang="en-US" dirty="0" err="1"/>
+                        <a:t>mengurangi</a:t>
+                      </a:r>
+                      <a:r>
+                        <a:rPr lang="en-US" dirty="0"/>
+                        <a:t> </a:t>
+                      </a:r>
+                      <a:r>
+                        <a:rPr lang="en-US" dirty="0" err="1"/>
+                        <a:t>suatu</a:t>
+                      </a:r>
+                      <a:r>
+                        <a:rPr lang="en-US" dirty="0"/>
+                        <a:t> integer </a:t>
+                      </a:r>
+                      <a:r>
+                        <a:rPr lang="en-US" dirty="0" err="1"/>
+                        <a:t>dengan</a:t>
+                      </a:r>
+                      <a:r>
+                        <a:rPr lang="en-US" dirty="0"/>
+                        <a:t> </a:t>
+                      </a:r>
+                      <a:r>
+                        <a:rPr lang="en-US" dirty="0" err="1"/>
+                        <a:t>angka</a:t>
+                      </a:r>
+                      <a:r>
+                        <a:rPr lang="en-US" dirty="0"/>
+                        <a:t> </a:t>
+                      </a:r>
+                      <a:r>
+                        <a:rPr lang="en-US" dirty="0" err="1"/>
+                        <a:t>satu</a:t>
+                      </a:r>
+                      <a:endParaRPr lang="en-US" dirty="0"/>
+                    </a:p>
+                  </a:txBody>
+                  <a:tcPr/>
+                </a:tc>
+                <a:tc>
+                  <a:txBody>
+                    <a:bodyPr/>
+                    <a:lstStyle/>
+                    <a:p>
+                      <a:r>
+                        <a:rPr lang="en-US" dirty="0"/>
+                        <a:t>A-- = 9</a:t>
+                      </a:r>
+                    </a:p>
+                  </a:txBody>
+                  <a:tcPr/>
+                </a:tc>
+                <a:extLst>
+                  <a:ext uri="{0D108BD9-81ED-4DB2-BD59-A6C34878D82A}">
+                    <a16:rowId xmlns:a16="http://schemas.microsoft.com/office/drawing/2014/main" val="232753892"/>
+                  </a:ext>
+                </a:extLst>
+              </a:tr>
+            </a:tbl>
+          </a:graphicData>
+        </a:graphic>
+      </p:graphicFrame>
+    </p:spTree>
+    <p:extLst>
+      <p:ext uri="{BB962C8B-B14F-4D97-AF65-F5344CB8AC3E}">
+        <p14:creationId xmlns:p14="http://schemas.microsoft.com/office/powerpoint/2010/main" val="2020924583"/>
+      </p:ext>
+    </p:extLst>
+  </p:cSld>
+  <p:clrMapOvr>
+    <a:masterClrMapping/>
+  </p:clrMapOvr>
+</p:sld>
+</file>
+
+<file path=ppt/slides/slide4.xml><?xml version="1.0" encoding="utf-8"?>
+<p:sld xmlns:a="http://schemas.openxmlformats.org/drawingml/2006/main" xmlns:r="http://schemas.openxmlformats.org/officeDocument/2006/relationships" xmlns:p="http://schemas.openxmlformats.org/presentationml/2006/main">
+  <p:cSld>
+    <p:spTree>
+      <p:nvGrpSpPr>
+        <p:cNvPr id="1" name=""/>
+        <p:cNvGrpSpPr/>
+        <p:nvPr/>
+      </p:nvGrpSpPr>
+      <p:grpSpPr>
+        <a:xfrm>
+          <a:off x="0" y="0"/>
+          <a:ext cx="0" cy="0"/>
+          <a:chOff x="0" y="0"/>
+          <a:chExt cx="0" cy="0"/>
+        </a:xfrm>
+      </p:grpSpPr>
+      <p:sp>
+        <p:nvSpPr>
           <p:cNvPr id="3" name="Content Placeholder 2">
             <a:extLst>
               <a:ext uri="{FF2B5EF4-FFF2-40B4-BE49-F238E27FC236}">
@@ -3588,7 +4098,745 @@
 </p:sld>
 </file>
 
-<file path=ppt/slides/slide4.xml><?xml version="1.0" encoding="utf-8"?>
+<file path=ppt/slides/slide5.xml><?xml version="1.0" encoding="utf-8"?>
+<p:sld xmlns:a="http://schemas.openxmlformats.org/drawingml/2006/main" xmlns:r="http://schemas.openxmlformats.org/officeDocument/2006/relationships" xmlns:p="http://schemas.openxmlformats.org/presentationml/2006/main">
+  <p:cSld>
+    <p:spTree>
+      <p:nvGrpSpPr>
+        <p:cNvPr id="1" name=""/>
+        <p:cNvGrpSpPr/>
+        <p:nvPr/>
+      </p:nvGrpSpPr>
+      <p:grpSpPr>
+        <a:xfrm>
+          <a:off x="0" y="0"/>
+          <a:ext cx="0" cy="0"/>
+          <a:chOff x="0" y="0"/>
+          <a:chExt cx="0" cy="0"/>
+        </a:xfrm>
+      </p:grpSpPr>
+      <p:sp>
+        <p:nvSpPr>
+          <p:cNvPr id="2" name="Title 1">
+            <a:extLst>
+              <a:ext uri="{FF2B5EF4-FFF2-40B4-BE49-F238E27FC236}">
+                <a16:creationId xmlns:a16="http://schemas.microsoft.com/office/drawing/2014/main" id="{BA3CD428-8E1A-4824-A67A-2210342866BA}"/>
+              </a:ext>
+            </a:extLst>
+          </p:cNvPr>
+          <p:cNvSpPr>
+            <a:spLocks noGrp="1"/>
+          </p:cNvSpPr>
+          <p:nvPr>
+            <p:ph type="title"/>
+          </p:nvPr>
+        </p:nvSpPr>
+        <p:spPr>
+          <a:xfrm>
+            <a:off x="2231136" y="627888"/>
+            <a:ext cx="7729728" cy="1525524"/>
+          </a:xfrm>
+        </p:spPr>
+        <p:txBody>
+          <a:bodyPr>
+            <a:normAutofit fontScale="90000"/>
+          </a:bodyPr>
+          <a:lstStyle/>
+          <a:p>
+            <a:pPr fontAlgn="base"/>
+            <a:br>
+              <a:rPr lang="en-US" b="0" i="0" dirty="0">
+                <a:solidFill>
+                  <a:srgbClr val="2B2C33"/>
+                </a:solidFill>
+                <a:effectLst/>
+                <a:latin typeface="Raleway"/>
+              </a:rPr>
+            </a:br>
+            <a:br>
+              <a:rPr lang="en-US" b="0" i="0" dirty="0">
+                <a:solidFill>
+                  <a:srgbClr val="2B2C33"/>
+                </a:solidFill>
+                <a:effectLst/>
+                <a:latin typeface="Raleway"/>
+              </a:rPr>
+            </a:br>
+            <a:r>
+              <a:rPr lang="en-US" dirty="0">
+                <a:solidFill>
+                  <a:srgbClr val="2B2C33"/>
+                </a:solidFill>
+                <a:latin typeface="Raleway"/>
+              </a:rPr>
+              <a:t>OPERATOR PENAMBAHAN DAN PENGURANGAN</a:t>
+            </a:r>
+            <a:br>
+              <a:rPr lang="en-US" b="0" i="0" dirty="0">
+                <a:solidFill>
+                  <a:srgbClr val="2B2C33"/>
+                </a:solidFill>
+                <a:effectLst/>
+                <a:latin typeface="Raleway"/>
+              </a:rPr>
+            </a:br>
+            <a:br>
+              <a:rPr lang="en-US" dirty="0"/>
+            </a:br>
+            <a:br>
+              <a:rPr lang="en-US" dirty="0"/>
+            </a:br>
+            <a:r>
+              <a:rPr lang="en-US" dirty="0"/>
+              <a:t>CONTOH a++</a:t>
+            </a:r>
+          </a:p>
+        </p:txBody>
+      </p:sp>
+      <p:sp>
+        <p:nvSpPr>
+          <p:cNvPr id="9" name="Content Placeholder 8">
+            <a:extLst>
+              <a:ext uri="{FF2B5EF4-FFF2-40B4-BE49-F238E27FC236}">
+                <a16:creationId xmlns:a16="http://schemas.microsoft.com/office/drawing/2014/main" id="{F096D30F-BA1E-4E59-B20E-7FA0F5770468}"/>
+              </a:ext>
+            </a:extLst>
+          </p:cNvPr>
+          <p:cNvSpPr>
+            <a:spLocks noGrp="1"/>
+          </p:cNvSpPr>
+          <p:nvPr>
+            <p:ph idx="1"/>
+          </p:nvPr>
+        </p:nvSpPr>
+        <p:spPr/>
+        <p:txBody>
+          <a:bodyPr/>
+          <a:lstStyle/>
+          <a:p>
+            <a:r>
+              <a:rPr lang="en-US" dirty="0"/>
+              <a:t>Ketika baris 7 </a:t>
+            </a:r>
+            <a:r>
+              <a:rPr lang="en-US" dirty="0" err="1"/>
+              <a:t>dijalankan</a:t>
+            </a:r>
+            <a:r>
+              <a:rPr lang="en-US" dirty="0"/>
+              <a:t>, </a:t>
+            </a:r>
+            <a:r>
+              <a:rPr lang="en-US" dirty="0" err="1"/>
+              <a:t>dimana</a:t>
+            </a:r>
+            <a:r>
+              <a:rPr lang="en-US" dirty="0"/>
+              <a:t> </a:t>
+            </a:r>
+            <a:r>
+              <a:rPr lang="en-US" dirty="0" err="1"/>
+              <a:t>ada</a:t>
+            </a:r>
+            <a:r>
+              <a:rPr lang="en-US" dirty="0"/>
+              <a:t> </a:t>
+            </a:r>
+            <a:r>
+              <a:rPr lang="en-US" dirty="0" err="1"/>
+              <a:t>perintah</a:t>
+            </a:r>
+            <a:r>
+              <a:rPr lang="en-US" dirty="0"/>
+              <a:t> </a:t>
+            </a:r>
+            <a:r>
+              <a:rPr lang="en-US" dirty="0" err="1"/>
+              <a:t>mencetak</a:t>
+            </a:r>
+            <a:r>
+              <a:rPr lang="en-US" dirty="0"/>
+              <a:t> a++,  </a:t>
+            </a:r>
+            <a:r>
+              <a:rPr lang="en-US" dirty="0" err="1"/>
+              <a:t>maka</a:t>
+            </a:r>
+            <a:r>
+              <a:rPr lang="en-US" dirty="0"/>
+              <a:t> </a:t>
+            </a:r>
+            <a:r>
+              <a:rPr lang="en-US" dirty="0" err="1"/>
+              <a:t>artinya</a:t>
+            </a:r>
+            <a:r>
+              <a:rPr lang="en-US" dirty="0"/>
+              <a:t> </a:t>
+            </a:r>
+            <a:r>
+              <a:rPr lang="en-US" dirty="0" err="1"/>
+              <a:t>dicetak</a:t>
+            </a:r>
+            <a:r>
+              <a:rPr lang="en-US" dirty="0"/>
+              <a:t> </a:t>
+            </a:r>
+            <a:r>
+              <a:rPr lang="en-US" dirty="0" err="1"/>
+              <a:t>nilai</a:t>
+            </a:r>
+            <a:r>
+              <a:rPr lang="en-US" dirty="0"/>
+              <a:t> a. </a:t>
+            </a:r>
+            <a:r>
+              <a:rPr lang="en-US" dirty="0" err="1"/>
+              <a:t>kemudian</a:t>
+            </a:r>
+            <a:r>
+              <a:rPr lang="en-US" dirty="0"/>
+              <a:t> </a:t>
+            </a:r>
+            <a:r>
+              <a:rPr lang="en-US" dirty="0" err="1"/>
+              <a:t>setelah</a:t>
+            </a:r>
+            <a:r>
+              <a:rPr lang="en-US" dirty="0"/>
+              <a:t> proses </a:t>
+            </a:r>
+            <a:r>
+              <a:rPr lang="en-US" dirty="0" err="1"/>
+              <a:t>cetak</a:t>
+            </a:r>
+            <a:r>
+              <a:rPr lang="en-US" dirty="0"/>
+              <a:t> </a:t>
+            </a:r>
+            <a:r>
+              <a:rPr lang="en-US" dirty="0" err="1"/>
+              <a:t>nilai</a:t>
+            </a:r>
+            <a:r>
+              <a:rPr lang="en-US" dirty="0"/>
+              <a:t> a </a:t>
+            </a:r>
+            <a:r>
+              <a:rPr lang="en-US" dirty="0" err="1"/>
+              <a:t>dinaikkan</a:t>
+            </a:r>
+            <a:r>
+              <a:rPr lang="en-US" dirty="0"/>
+              <a:t> </a:t>
+            </a:r>
+            <a:r>
+              <a:rPr lang="en-US" dirty="0">
+                <a:latin typeface="Arial" panose="020B0604020202020204" pitchFamily="34" charset="0"/>
+                <a:cs typeface="Arial" panose="020B0604020202020204" pitchFamily="34" charset="0"/>
+              </a:rPr>
+              <a:t>1 </a:t>
+            </a:r>
+            <a:r>
+              <a:rPr lang="en-US" dirty="0" err="1">
+                <a:latin typeface="Arial" panose="020B0604020202020204" pitchFamily="34" charset="0"/>
+                <a:cs typeface="Arial" panose="020B0604020202020204" pitchFamily="34" charset="0"/>
+              </a:rPr>
+              <a:t>sehingga</a:t>
+            </a:r>
+            <a:r>
+              <a:rPr lang="en-US" dirty="0">
+                <a:latin typeface="Arial" panose="020B0604020202020204" pitchFamily="34" charset="0"/>
+                <a:cs typeface="Arial" panose="020B0604020202020204" pitchFamily="34" charset="0"/>
+              </a:rPr>
+              <a:t> </a:t>
+            </a:r>
+            <a:r>
+              <a:rPr lang="en-US" dirty="0" err="1">
+                <a:latin typeface="Arial" panose="020B0604020202020204" pitchFamily="34" charset="0"/>
+                <a:cs typeface="Arial" panose="020B0604020202020204" pitchFamily="34" charset="0"/>
+              </a:rPr>
+              <a:t>outputnya</a:t>
+            </a:r>
+            <a:r>
+              <a:rPr lang="en-US" dirty="0">
+                <a:latin typeface="Arial" panose="020B0604020202020204" pitchFamily="34" charset="0"/>
+                <a:cs typeface="Arial" panose="020B0604020202020204" pitchFamily="34" charset="0"/>
+              </a:rPr>
+              <a:t> </a:t>
+            </a:r>
+            <a:r>
+              <a:rPr lang="en-US" dirty="0" err="1">
+                <a:latin typeface="Arial" panose="020B0604020202020204" pitchFamily="34" charset="0"/>
+                <a:cs typeface="Arial" panose="020B0604020202020204" pitchFamily="34" charset="0"/>
+              </a:rPr>
+              <a:t>tetap</a:t>
+            </a:r>
+            <a:r>
+              <a:rPr lang="en-US" dirty="0">
+                <a:latin typeface="Arial" panose="020B0604020202020204" pitchFamily="34" charset="0"/>
+                <a:cs typeface="Arial" panose="020B0604020202020204" pitchFamily="34" charset="0"/>
+              </a:rPr>
+              <a:t> 1 </a:t>
+            </a:r>
+            <a:r>
+              <a:rPr lang="en-US" dirty="0" err="1">
+                <a:latin typeface="Arial" panose="020B0604020202020204" pitchFamily="34" charset="0"/>
+                <a:cs typeface="Arial" panose="020B0604020202020204" pitchFamily="34" charset="0"/>
+              </a:rPr>
+              <a:t>seperti</a:t>
+            </a:r>
+            <a:r>
+              <a:rPr lang="en-US" dirty="0">
+                <a:latin typeface="Arial" panose="020B0604020202020204" pitchFamily="34" charset="0"/>
+                <a:cs typeface="Arial" panose="020B0604020202020204" pitchFamily="34" charset="0"/>
+              </a:rPr>
+              <a:t> </a:t>
+            </a:r>
+            <a:r>
+              <a:rPr lang="en-US" dirty="0" err="1">
+                <a:latin typeface="Arial" panose="020B0604020202020204" pitchFamily="34" charset="0"/>
+                <a:cs typeface="Arial" panose="020B0604020202020204" pitchFamily="34" charset="0"/>
+              </a:rPr>
+              <a:t>awal</a:t>
+            </a:r>
+            <a:r>
+              <a:rPr lang="en-US" dirty="0">
+                <a:latin typeface="Arial" panose="020B0604020202020204" pitchFamily="34" charset="0"/>
+                <a:cs typeface="Arial" panose="020B0604020202020204" pitchFamily="34" charset="0"/>
+              </a:rPr>
+              <a:t>. </a:t>
+            </a:r>
+            <a:r>
+              <a:rPr lang="en-US" dirty="0" err="1">
+                <a:latin typeface="Arial" panose="020B0604020202020204" pitchFamily="34" charset="0"/>
+                <a:cs typeface="Arial" panose="020B0604020202020204" pitchFamily="34" charset="0"/>
+              </a:rPr>
+              <a:t>Paa</a:t>
+            </a:r>
+            <a:r>
+              <a:rPr lang="en-US" dirty="0">
+                <a:latin typeface="Arial" panose="020B0604020202020204" pitchFamily="34" charset="0"/>
+                <a:cs typeface="Arial" panose="020B0604020202020204" pitchFamily="34" charset="0"/>
+              </a:rPr>
+              <a:t> baris 8 </a:t>
+            </a:r>
+            <a:r>
+              <a:rPr lang="en-US" dirty="0" err="1">
+                <a:latin typeface="Arial" panose="020B0604020202020204" pitchFamily="34" charset="0"/>
+                <a:cs typeface="Arial" panose="020B0604020202020204" pitchFamily="34" charset="0"/>
+              </a:rPr>
+              <a:t>nilai</a:t>
+            </a:r>
+            <a:r>
+              <a:rPr lang="en-US" dirty="0">
+                <a:latin typeface="Arial" panose="020B0604020202020204" pitchFamily="34" charset="0"/>
+                <a:cs typeface="Arial" panose="020B0604020202020204" pitchFamily="34" charset="0"/>
+              </a:rPr>
+              <a:t> a </a:t>
+            </a:r>
+            <a:r>
+              <a:rPr lang="en-US" dirty="0" err="1">
+                <a:latin typeface="Arial" panose="020B0604020202020204" pitchFamily="34" charset="0"/>
+                <a:cs typeface="Arial" panose="020B0604020202020204" pitchFamily="34" charset="0"/>
+              </a:rPr>
+              <a:t>telah</a:t>
+            </a:r>
+            <a:r>
+              <a:rPr lang="en-US" dirty="0">
+                <a:latin typeface="Arial" panose="020B0604020202020204" pitchFamily="34" charset="0"/>
+                <a:cs typeface="Arial" panose="020B0604020202020204" pitchFamily="34" charset="0"/>
+              </a:rPr>
+              <a:t> naik </a:t>
+            </a:r>
+            <a:r>
+              <a:rPr lang="en-US" dirty="0" err="1">
+                <a:latin typeface="Arial" panose="020B0604020202020204" pitchFamily="34" charset="0"/>
+                <a:cs typeface="Arial" panose="020B0604020202020204" pitchFamily="34" charset="0"/>
+              </a:rPr>
+              <a:t>menjadi</a:t>
+            </a:r>
+            <a:r>
+              <a:rPr lang="en-US" dirty="0">
+                <a:latin typeface="Arial" panose="020B0604020202020204" pitchFamily="34" charset="0"/>
+                <a:cs typeface="Arial" panose="020B0604020202020204" pitchFamily="34" charset="0"/>
+              </a:rPr>
+              <a:t> 2 </a:t>
+            </a:r>
+            <a:r>
+              <a:rPr lang="en-US" dirty="0" err="1">
+                <a:latin typeface="Arial" panose="020B0604020202020204" pitchFamily="34" charset="0"/>
+                <a:cs typeface="Arial" panose="020B0604020202020204" pitchFamily="34" charset="0"/>
+              </a:rPr>
+              <a:t>sehingga</a:t>
+            </a:r>
+            <a:r>
+              <a:rPr lang="en-US" dirty="0">
+                <a:latin typeface="Arial" panose="020B0604020202020204" pitchFamily="34" charset="0"/>
+                <a:cs typeface="Arial" panose="020B0604020202020204" pitchFamily="34" charset="0"/>
+              </a:rPr>
+              <a:t> </a:t>
+            </a:r>
+            <a:r>
+              <a:rPr lang="en-US" dirty="0" err="1">
+                <a:latin typeface="Arial" panose="020B0604020202020204" pitchFamily="34" charset="0"/>
+                <a:cs typeface="Arial" panose="020B0604020202020204" pitchFamily="34" charset="0"/>
+              </a:rPr>
+              <a:t>outputnya</a:t>
+            </a:r>
+            <a:r>
+              <a:rPr lang="en-US" dirty="0">
+                <a:latin typeface="Arial" panose="020B0604020202020204" pitchFamily="34" charset="0"/>
+                <a:cs typeface="Arial" panose="020B0604020202020204" pitchFamily="34" charset="0"/>
+              </a:rPr>
+              <a:t> 2.</a:t>
+            </a:r>
+            <a:endParaRPr lang="en-US" dirty="0"/>
+          </a:p>
+        </p:txBody>
+      </p:sp>
+      <p:pic>
+        <p:nvPicPr>
+          <p:cNvPr id="11" name="Picture 10">
+            <a:extLst>
+              <a:ext uri="{FF2B5EF4-FFF2-40B4-BE49-F238E27FC236}">
+                <a16:creationId xmlns:a16="http://schemas.microsoft.com/office/drawing/2014/main" id="{31EF486C-79CD-4138-A851-A96A620ACA5A}"/>
+              </a:ext>
+            </a:extLst>
+          </p:cNvPr>
+          <p:cNvPicPr>
+            <a:picLocks noChangeAspect="1"/>
+          </p:cNvPicPr>
+          <p:nvPr/>
+        </p:nvPicPr>
+        <p:blipFill>
+          <a:blip r:embed="rId2"/>
+          <a:stretch>
+            <a:fillRect/>
+          </a:stretch>
+        </p:blipFill>
+        <p:spPr>
+          <a:xfrm>
+            <a:off x="3489960" y="3861816"/>
+            <a:ext cx="4562856" cy="2060645"/>
+          </a:xfrm>
+          <a:prstGeom prst="rect">
+            <a:avLst/>
+          </a:prstGeom>
+        </p:spPr>
+      </p:pic>
+    </p:spTree>
+    <p:extLst>
+      <p:ext uri="{BB962C8B-B14F-4D97-AF65-F5344CB8AC3E}">
+        <p14:creationId xmlns:p14="http://schemas.microsoft.com/office/powerpoint/2010/main" val="3785716549"/>
+      </p:ext>
+    </p:extLst>
+  </p:cSld>
+  <p:clrMapOvr>
+    <a:masterClrMapping/>
+  </p:clrMapOvr>
+</p:sld>
+</file>
+
+<file path=ppt/slides/slide6.xml><?xml version="1.0" encoding="utf-8"?>
+<p:sld xmlns:a="http://schemas.openxmlformats.org/drawingml/2006/main" xmlns:r="http://schemas.openxmlformats.org/officeDocument/2006/relationships" xmlns:p="http://schemas.openxmlformats.org/presentationml/2006/main">
+  <p:cSld>
+    <p:spTree>
+      <p:nvGrpSpPr>
+        <p:cNvPr id="1" name=""/>
+        <p:cNvGrpSpPr/>
+        <p:nvPr/>
+      </p:nvGrpSpPr>
+      <p:grpSpPr>
+        <a:xfrm>
+          <a:off x="0" y="0"/>
+          <a:ext cx="0" cy="0"/>
+          <a:chOff x="0" y="0"/>
+          <a:chExt cx="0" cy="0"/>
+        </a:xfrm>
+      </p:grpSpPr>
+      <p:sp>
+        <p:nvSpPr>
+          <p:cNvPr id="2" name="Title 1">
+            <a:extLst>
+              <a:ext uri="{FF2B5EF4-FFF2-40B4-BE49-F238E27FC236}">
+                <a16:creationId xmlns:a16="http://schemas.microsoft.com/office/drawing/2014/main" id="{BA3CD428-8E1A-4824-A67A-2210342866BA}"/>
+              </a:ext>
+            </a:extLst>
+          </p:cNvPr>
+          <p:cNvSpPr>
+            <a:spLocks noGrp="1"/>
+          </p:cNvSpPr>
+          <p:nvPr>
+            <p:ph type="title"/>
+          </p:nvPr>
+        </p:nvSpPr>
+        <p:spPr>
+          <a:xfrm>
+            <a:off x="2231136" y="627888"/>
+            <a:ext cx="7729728" cy="1525524"/>
+          </a:xfrm>
+        </p:spPr>
+        <p:txBody>
+          <a:bodyPr>
+            <a:normAutofit fontScale="90000"/>
+          </a:bodyPr>
+          <a:lstStyle/>
+          <a:p>
+            <a:pPr fontAlgn="base"/>
+            <a:br>
+              <a:rPr lang="en-US" b="0" i="0" dirty="0">
+                <a:solidFill>
+                  <a:srgbClr val="2B2C33"/>
+                </a:solidFill>
+                <a:effectLst/>
+                <a:latin typeface="Raleway"/>
+              </a:rPr>
+            </a:br>
+            <a:br>
+              <a:rPr lang="en-US" b="0" i="0" dirty="0">
+                <a:solidFill>
+                  <a:srgbClr val="2B2C33"/>
+                </a:solidFill>
+                <a:effectLst/>
+                <a:latin typeface="Raleway"/>
+              </a:rPr>
+            </a:br>
+            <a:r>
+              <a:rPr lang="en-US" dirty="0">
+                <a:solidFill>
+                  <a:srgbClr val="2B2C33"/>
+                </a:solidFill>
+                <a:latin typeface="Raleway"/>
+              </a:rPr>
+              <a:t>OPERATOR PENAMBAHAN DAN PENGURANGAN</a:t>
+            </a:r>
+            <a:br>
+              <a:rPr lang="en-US" b="0" i="0" dirty="0">
+                <a:solidFill>
+                  <a:srgbClr val="2B2C33"/>
+                </a:solidFill>
+                <a:effectLst/>
+                <a:latin typeface="Raleway"/>
+              </a:rPr>
+            </a:br>
+            <a:br>
+              <a:rPr lang="en-US" dirty="0"/>
+            </a:br>
+            <a:br>
+              <a:rPr lang="en-US" dirty="0"/>
+            </a:br>
+            <a:r>
+              <a:rPr lang="en-US" dirty="0"/>
+              <a:t>CONTOH ++a</a:t>
+            </a:r>
+          </a:p>
+        </p:txBody>
+      </p:sp>
+      <p:sp>
+        <p:nvSpPr>
+          <p:cNvPr id="4" name="Content Placeholder 3">
+            <a:extLst>
+              <a:ext uri="{FF2B5EF4-FFF2-40B4-BE49-F238E27FC236}">
+                <a16:creationId xmlns:a16="http://schemas.microsoft.com/office/drawing/2014/main" id="{A5D87374-C500-4A21-8F81-F62672FADC94}"/>
+              </a:ext>
+            </a:extLst>
+          </p:cNvPr>
+          <p:cNvSpPr>
+            <a:spLocks noGrp="1"/>
+          </p:cNvSpPr>
+          <p:nvPr>
+            <p:ph idx="1"/>
+          </p:nvPr>
+        </p:nvSpPr>
+        <p:spPr/>
+        <p:txBody>
+          <a:bodyPr/>
+          <a:lstStyle/>
+          <a:p>
+            <a:r>
+              <a:rPr lang="en-US" dirty="0"/>
+              <a:t>Pada baris 7, </a:t>
+            </a:r>
+            <a:r>
+              <a:rPr lang="en-US" dirty="0" err="1"/>
+              <a:t>dimana</a:t>
+            </a:r>
+            <a:r>
+              <a:rPr lang="en-US" dirty="0"/>
+              <a:t> </a:t>
+            </a:r>
+            <a:r>
+              <a:rPr lang="en-US" dirty="0" err="1"/>
+              <a:t>ada</a:t>
+            </a:r>
+            <a:r>
+              <a:rPr lang="en-US" dirty="0"/>
+              <a:t> </a:t>
+            </a:r>
+            <a:r>
+              <a:rPr lang="en-US" dirty="0" err="1"/>
+              <a:t>perintah</a:t>
+            </a:r>
+            <a:r>
+              <a:rPr lang="en-US" dirty="0"/>
+              <a:t> ++a, </a:t>
+            </a:r>
+            <a:r>
+              <a:rPr lang="en-US" dirty="0" err="1"/>
+              <a:t>maka</a:t>
+            </a:r>
+            <a:r>
+              <a:rPr lang="en-US" dirty="0"/>
+              <a:t> </a:t>
+            </a:r>
+            <a:r>
+              <a:rPr lang="en-US" dirty="0" err="1"/>
+              <a:t>dicetak</a:t>
+            </a:r>
+            <a:r>
+              <a:rPr lang="en-US" dirty="0"/>
+              <a:t> </a:t>
+            </a:r>
+            <a:r>
+              <a:rPr lang="en-US" dirty="0" err="1"/>
+              <a:t>nilai</a:t>
+            </a:r>
+            <a:r>
+              <a:rPr lang="en-US" dirty="0"/>
+              <a:t> a </a:t>
+            </a:r>
+            <a:r>
+              <a:rPr lang="en-US" dirty="0" err="1"/>
+              <a:t>setelah</a:t>
+            </a:r>
+            <a:r>
+              <a:rPr lang="en-US" dirty="0"/>
+              <a:t> </a:t>
+            </a:r>
+            <a:r>
+              <a:rPr lang="en-US" dirty="0" err="1"/>
+              <a:t>dinaikkan</a:t>
+            </a:r>
+            <a:r>
+              <a:rPr lang="en-US" dirty="0">
+                <a:latin typeface="Arial" panose="020B0604020202020204" pitchFamily="34" charset="0"/>
+                <a:cs typeface="Arial" panose="020B0604020202020204" pitchFamily="34" charset="0"/>
+              </a:rPr>
+              <a:t> 1 </a:t>
+            </a:r>
+            <a:r>
+              <a:rPr lang="en-US" dirty="0" err="1"/>
+              <a:t>sehingga</a:t>
+            </a:r>
+            <a:r>
+              <a:rPr lang="en-US" dirty="0"/>
+              <a:t> </a:t>
+            </a:r>
+            <a:r>
+              <a:rPr lang="en-US" dirty="0" err="1"/>
+              <a:t>outputnya</a:t>
+            </a:r>
+            <a:r>
+              <a:rPr lang="en-US" dirty="0"/>
+              <a:t> 2.  </a:t>
+            </a:r>
+            <a:r>
+              <a:rPr lang="en-US" dirty="0" err="1"/>
+              <a:t>untuk</a:t>
+            </a:r>
+            <a:r>
+              <a:rPr lang="en-US" dirty="0"/>
+              <a:t> baris 8 </a:t>
+            </a:r>
+            <a:r>
+              <a:rPr lang="en-US" dirty="0" err="1"/>
+              <a:t>maka</a:t>
+            </a:r>
+            <a:r>
+              <a:rPr lang="en-US" dirty="0"/>
+              <a:t> </a:t>
+            </a:r>
+            <a:r>
+              <a:rPr lang="en-US" dirty="0" err="1"/>
+              <a:t>nilai</a:t>
+            </a:r>
+            <a:r>
+              <a:rPr lang="en-US" dirty="0"/>
+              <a:t> a </a:t>
+            </a:r>
+            <a:r>
+              <a:rPr lang="en-US" dirty="0" err="1"/>
+              <a:t>telah</a:t>
+            </a:r>
+            <a:r>
+              <a:rPr lang="en-US" dirty="0"/>
+              <a:t> </a:t>
+            </a:r>
+            <a:r>
+              <a:rPr lang="en-US" dirty="0" err="1"/>
+              <a:t>menjadi</a:t>
+            </a:r>
+            <a:r>
+              <a:rPr lang="en-US" dirty="0"/>
+              <a:t> 2 </a:t>
+            </a:r>
+            <a:r>
+              <a:rPr lang="en-US" dirty="0" err="1"/>
+              <a:t>seperti</a:t>
+            </a:r>
+            <a:r>
+              <a:rPr lang="en-US"/>
+              <a:t> baris 7.</a:t>
+            </a:r>
+            <a:endParaRPr lang="en-US" dirty="0"/>
+          </a:p>
+        </p:txBody>
+      </p:sp>
+      <p:pic>
+        <p:nvPicPr>
+          <p:cNvPr id="6" name="Picture 5">
+            <a:extLst>
+              <a:ext uri="{FF2B5EF4-FFF2-40B4-BE49-F238E27FC236}">
+                <a16:creationId xmlns:a16="http://schemas.microsoft.com/office/drawing/2014/main" id="{8169B052-7E31-465F-8DEA-63515562C953}"/>
+              </a:ext>
+            </a:extLst>
+          </p:cNvPr>
+          <p:cNvPicPr>
+            <a:picLocks noChangeAspect="1"/>
+          </p:cNvPicPr>
+          <p:nvPr/>
+        </p:nvPicPr>
+        <p:blipFill>
+          <a:blip r:embed="rId2"/>
+          <a:stretch>
+            <a:fillRect/>
+          </a:stretch>
+        </p:blipFill>
+        <p:spPr>
+          <a:xfrm>
+            <a:off x="2885313" y="3928511"/>
+            <a:ext cx="4265295" cy="1811515"/>
+          </a:xfrm>
+          <a:prstGeom prst="rect">
+            <a:avLst/>
+          </a:prstGeom>
+        </p:spPr>
+      </p:pic>
+    </p:spTree>
+    <p:extLst>
+      <p:ext uri="{BB962C8B-B14F-4D97-AF65-F5344CB8AC3E}">
+        <p14:creationId xmlns:p14="http://schemas.microsoft.com/office/powerpoint/2010/main" val="3475294429"/>
+      </p:ext>
+    </p:extLst>
+  </p:cSld>
+  <p:clrMapOvr>
+    <a:masterClrMapping/>
+  </p:clrMapOvr>
+</p:sld>
+</file>
+
+<file path=ppt/slides/slide7.xml><?xml version="1.0" encoding="utf-8"?>
 <p:sld xmlns:a="http://schemas.openxmlformats.org/drawingml/2006/main" xmlns:r="http://schemas.openxmlformats.org/officeDocument/2006/relationships" xmlns:p="http://schemas.openxmlformats.org/presentationml/2006/main">
   <p:cSld>
     <p:spTree>
@@ -3698,7 +4946,7 @@
 </p:sld>
 </file>
 
-<file path=ppt/slides/slide5.xml><?xml version="1.0" encoding="utf-8"?>
+<file path=ppt/slides/slide8.xml><?xml version="1.0" encoding="utf-8"?>
 <p:sld xmlns:a="http://schemas.openxmlformats.org/drawingml/2006/main" xmlns:r="http://schemas.openxmlformats.org/officeDocument/2006/relationships" xmlns:p="http://schemas.openxmlformats.org/presentationml/2006/main">
   <p:cSld>
     <p:spTree>
@@ -3808,7 +5056,7 @@
 </p:sld>
 </file>
 
-<file path=ppt/slides/slide6.xml><?xml version="1.0" encoding="utf-8"?>
+<file path=ppt/slides/slide9.xml><?xml version="1.0" encoding="utf-8"?>
 <p:sld xmlns:a="http://schemas.openxmlformats.org/drawingml/2006/main" xmlns:r="http://schemas.openxmlformats.org/officeDocument/2006/relationships" xmlns:p="http://schemas.openxmlformats.org/presentationml/2006/main">
   <p:cSld>
     <p:spTree>
